--- a/_unittests/ut_mokadi/data/simple.pptx
+++ b/_unittests/ut_mokadi/data/simple.pptx
@@ -105,6 +105,11 @@
       </a:defRPr>
     </a:lvl9pPr>
   </p:defaultTextStyle>
+  <p:extLst>
+    <p:ext uri="{EFAFB233-063F-42B5-8137-9DF3F51BA10A}">
+      <p15:sldGuideLst xmlns:p15="http://schemas.microsoft.com/office/powerpoint/2012/main"/>
+    </p:ext>
+  </p:extLst>
 </p:presentation>
 </file>
 
@@ -153,7 +158,6 @@
               <a:rPr lang="fr-FR"/>
               <a:t>Modifiez le style du titre</a:t>
             </a:r>
-            <a:endParaRPr lang="fr-FR"/>
           </a:p>
         </p:txBody>
       </p:sp>
@@ -218,7 +222,6 @@
               <a:rPr lang="fr-FR"/>
               <a:t>Modifier le style des sous-titres du masque</a:t>
             </a:r>
-            <a:endParaRPr lang="fr-FR"/>
           </a:p>
         </p:txBody>
       </p:sp>
@@ -239,7 +242,7 @@
           <a:p>
             <a:fld id="{554F79A8-EDED-4348-8A8C-AFD32DCCE4C9}" type="datetimeFigureOut">
               <a:rPr lang="fr-FR" smtClean="0"/>
-              <a:t>29/03/2017</a:t>
+              <a:t>02/04/2017</a:t>
             </a:fld>
             <a:endParaRPr lang="fr-FR"/>
           </a:p>
@@ -336,7 +339,6 @@
               <a:rPr lang="fr-FR"/>
               <a:t>Modifiez le style du titre</a:t>
             </a:r>
-            <a:endParaRPr lang="fr-FR"/>
           </a:p>
         </p:txBody>
       </p:sp>
@@ -388,7 +390,6 @@
               <a:rPr lang="fr-FR"/>
               <a:t>Cinquième niveau</a:t>
             </a:r>
-            <a:endParaRPr lang="fr-FR"/>
           </a:p>
         </p:txBody>
       </p:sp>
@@ -409,7 +410,7 @@
           <a:p>
             <a:fld id="{554F79A8-EDED-4348-8A8C-AFD32DCCE4C9}" type="datetimeFigureOut">
               <a:rPr lang="fr-FR" smtClean="0"/>
-              <a:t>29/03/2017</a:t>
+              <a:t>02/04/2017</a:t>
             </a:fld>
             <a:endParaRPr lang="fr-FR"/>
           </a:p>
@@ -511,7 +512,6 @@
               <a:rPr lang="fr-FR"/>
               <a:t>Modifiez le style du titre</a:t>
             </a:r>
-            <a:endParaRPr lang="fr-FR"/>
           </a:p>
         </p:txBody>
       </p:sp>
@@ -568,7 +568,6 @@
               <a:rPr lang="fr-FR"/>
               <a:t>Cinquième niveau</a:t>
             </a:r>
-            <a:endParaRPr lang="fr-FR"/>
           </a:p>
         </p:txBody>
       </p:sp>
@@ -589,7 +588,7 @@
           <a:p>
             <a:fld id="{554F79A8-EDED-4348-8A8C-AFD32DCCE4C9}" type="datetimeFigureOut">
               <a:rPr lang="fr-FR" smtClean="0"/>
-              <a:t>29/03/2017</a:t>
+              <a:t>02/04/2017</a:t>
             </a:fld>
             <a:endParaRPr lang="fr-FR"/>
           </a:p>
@@ -686,7 +685,6 @@
               <a:rPr lang="fr-FR"/>
               <a:t>Modifiez le style du titre</a:t>
             </a:r>
-            <a:endParaRPr lang="fr-FR"/>
           </a:p>
         </p:txBody>
       </p:sp>
@@ -738,7 +736,6 @@
               <a:rPr lang="fr-FR"/>
               <a:t>Cinquième niveau</a:t>
             </a:r>
-            <a:endParaRPr lang="fr-FR"/>
           </a:p>
         </p:txBody>
       </p:sp>
@@ -759,7 +756,7 @@
           <a:p>
             <a:fld id="{554F79A8-EDED-4348-8A8C-AFD32DCCE4C9}" type="datetimeFigureOut">
               <a:rPr lang="fr-FR" smtClean="0"/>
-              <a:t>29/03/2017</a:t>
+              <a:t>02/04/2017</a:t>
             </a:fld>
             <a:endParaRPr lang="fr-FR"/>
           </a:p>
@@ -865,7 +862,6 @@
               <a:rPr lang="fr-FR"/>
               <a:t>Modifiez le style du titre</a:t>
             </a:r>
-            <a:endParaRPr lang="fr-FR"/>
           </a:p>
         </p:txBody>
       </p:sp>
@@ -1005,7 +1001,7 @@
           <a:p>
             <a:fld id="{554F79A8-EDED-4348-8A8C-AFD32DCCE4C9}" type="datetimeFigureOut">
               <a:rPr lang="fr-FR" smtClean="0"/>
-              <a:t>29/03/2017</a:t>
+              <a:t>02/04/2017</a:t>
             </a:fld>
             <a:endParaRPr lang="fr-FR"/>
           </a:p>
@@ -1102,7 +1098,6 @@
               <a:rPr lang="fr-FR"/>
               <a:t>Modifiez le style du titre</a:t>
             </a:r>
-            <a:endParaRPr lang="fr-FR"/>
           </a:p>
         </p:txBody>
       </p:sp>
@@ -1159,7 +1154,6 @@
               <a:rPr lang="fr-FR"/>
               <a:t>Cinquième niveau</a:t>
             </a:r>
-            <a:endParaRPr lang="fr-FR"/>
           </a:p>
         </p:txBody>
       </p:sp>
@@ -1216,7 +1210,6 @@
               <a:rPr lang="fr-FR"/>
               <a:t>Cinquième niveau</a:t>
             </a:r>
-            <a:endParaRPr lang="fr-FR"/>
           </a:p>
         </p:txBody>
       </p:sp>
@@ -1237,7 +1230,7 @@
           <a:p>
             <a:fld id="{554F79A8-EDED-4348-8A8C-AFD32DCCE4C9}" type="datetimeFigureOut">
               <a:rPr lang="fr-FR" smtClean="0"/>
-              <a:t>29/03/2017</a:t>
+              <a:t>02/04/2017</a:t>
             </a:fld>
             <a:endParaRPr lang="fr-FR"/>
           </a:p>
@@ -1339,7 +1332,6 @@
               <a:rPr lang="fr-FR"/>
               <a:t>Modifiez le style du titre</a:t>
             </a:r>
-            <a:endParaRPr lang="fr-FR"/>
           </a:p>
         </p:txBody>
       </p:sp>
@@ -1461,7 +1453,6 @@
               <a:rPr lang="fr-FR"/>
               <a:t>Cinquième niveau</a:t>
             </a:r>
-            <a:endParaRPr lang="fr-FR"/>
           </a:p>
         </p:txBody>
       </p:sp>
@@ -1583,7 +1574,6 @@
               <a:rPr lang="fr-FR"/>
               <a:t>Cinquième niveau</a:t>
             </a:r>
-            <a:endParaRPr lang="fr-FR"/>
           </a:p>
         </p:txBody>
       </p:sp>
@@ -1604,7 +1594,7 @@
           <a:p>
             <a:fld id="{554F79A8-EDED-4348-8A8C-AFD32DCCE4C9}" type="datetimeFigureOut">
               <a:rPr lang="fr-FR" smtClean="0"/>
-              <a:t>29/03/2017</a:t>
+              <a:t>02/04/2017</a:t>
             </a:fld>
             <a:endParaRPr lang="fr-FR"/>
           </a:p>
@@ -1701,7 +1691,6 @@
               <a:rPr lang="fr-FR"/>
               <a:t>Modifiez le style du titre</a:t>
             </a:r>
-            <a:endParaRPr lang="fr-FR"/>
           </a:p>
         </p:txBody>
       </p:sp>
@@ -1722,7 +1711,7 @@
           <a:p>
             <a:fld id="{554F79A8-EDED-4348-8A8C-AFD32DCCE4C9}" type="datetimeFigureOut">
               <a:rPr lang="fr-FR" smtClean="0"/>
-              <a:t>29/03/2017</a:t>
+              <a:t>02/04/2017</a:t>
             </a:fld>
             <a:endParaRPr lang="fr-FR"/>
           </a:p>
@@ -1817,7 +1806,7 @@
           <a:p>
             <a:fld id="{554F79A8-EDED-4348-8A8C-AFD32DCCE4C9}" type="datetimeFigureOut">
               <a:rPr lang="fr-FR" smtClean="0"/>
-              <a:t>29/03/2017</a:t>
+              <a:t>02/04/2017</a:t>
             </a:fld>
             <a:endParaRPr lang="fr-FR"/>
           </a:p>
@@ -1923,7 +1912,6 @@
               <a:rPr lang="fr-FR"/>
               <a:t>Modifiez le style du titre</a:t>
             </a:r>
-            <a:endParaRPr lang="fr-FR"/>
           </a:p>
         </p:txBody>
       </p:sp>
@@ -2008,7 +1996,6 @@
               <a:rPr lang="fr-FR"/>
               <a:t>Cinquième niveau</a:t>
             </a:r>
-            <a:endParaRPr lang="fr-FR"/>
           </a:p>
         </p:txBody>
       </p:sp>
@@ -2094,7 +2081,7 @@
           <a:p>
             <a:fld id="{554F79A8-EDED-4348-8A8C-AFD32DCCE4C9}" type="datetimeFigureOut">
               <a:rPr lang="fr-FR" smtClean="0"/>
-              <a:t>29/03/2017</a:t>
+              <a:t>02/04/2017</a:t>
             </a:fld>
             <a:endParaRPr lang="fr-FR"/>
           </a:p>
@@ -2200,7 +2187,6 @@
               <a:rPr lang="fr-FR"/>
               <a:t>Modifiez le style du titre</a:t>
             </a:r>
-            <a:endParaRPr lang="fr-FR"/>
           </a:p>
         </p:txBody>
       </p:sp>
@@ -2347,7 +2333,7 @@
           <a:p>
             <a:fld id="{554F79A8-EDED-4348-8A8C-AFD32DCCE4C9}" type="datetimeFigureOut">
               <a:rPr lang="fr-FR" smtClean="0"/>
-              <a:t>29/03/2017</a:t>
+              <a:t>02/04/2017</a:t>
             </a:fld>
             <a:endParaRPr lang="fr-FR"/>
           </a:p>
@@ -2459,7 +2445,6 @@
               <a:rPr lang="fr-FR"/>
               <a:t>Modifiez le style du titre</a:t>
             </a:r>
-            <a:endParaRPr lang="fr-FR"/>
           </a:p>
         </p:txBody>
       </p:sp>
@@ -2521,7 +2506,6 @@
               <a:rPr lang="fr-FR"/>
               <a:t>Cinquième niveau</a:t>
             </a:r>
-            <a:endParaRPr lang="fr-FR"/>
           </a:p>
         </p:txBody>
       </p:sp>
@@ -2560,7 +2544,7 @@
           <a:p>
             <a:fld id="{554F79A8-EDED-4348-8A8C-AFD32DCCE4C9}" type="datetimeFigureOut">
               <a:rPr lang="fr-FR" smtClean="0"/>
-              <a:t>29/03/2017</a:t>
+              <a:t>02/04/2017</a:t>
             </a:fld>
             <a:endParaRPr lang="fr-FR"/>
           </a:p>
@@ -2982,7 +2966,7 @@
           <a:p>
             <a:r>
               <a:rPr lang="fr-FR" dirty="0"/>
-              <a:t>Présentation à traduire en anglais</a:t>
+              <a:t>Exemple de présentation</a:t>
             </a:r>
           </a:p>
         </p:txBody>
@@ -3078,18 +3062,21 @@
           <a:p>
             <a:r>
               <a:rPr lang="fr-FR" dirty="0"/>
-              <a:t>Le service fait appel aux API Bing.</a:t>
-            </a:r>
+              <a:t>Cela sera très </a:t>
+            </a:r>
+            <a:r>
+              <a:rPr lang="fr-FR"/>
+              <a:t>vite terminé.</a:t>
+            </a:r>
+            <a:endParaRPr lang="fr-FR" dirty="0"/>
           </a:p>
           <a:p>
             <a:r>
               <a:rPr lang="fr-FR" dirty="0"/>
-              <a:t>Il utilise python pour faire </a:t>
-            </a:r>
-            <a:r>
-              <a:rPr lang="fr-FR"/>
-              <a:t>des requêtes en JSON.</a:t>
-            </a:r>
+              <a:t>C’est une petite présentation en exemple. </a:t>
+            </a:r>
+          </a:p>
+          <a:p>
             <a:endParaRPr lang="fr-FR" dirty="0"/>
           </a:p>
         </p:txBody>

--- a/_unittests/ut_mokadi/data/simple.pptx
+++ b/_unittests/ut_mokadi/data/simple.pptx
@@ -242,7 +242,7 @@
           <a:p>
             <a:fld id="{554F79A8-EDED-4348-8A8C-AFD32DCCE4C9}" type="datetimeFigureOut">
               <a:rPr lang="fr-FR" smtClean="0"/>
-              <a:t>02/04/2017</a:t>
+              <a:t>03/04/2017</a:t>
             </a:fld>
             <a:endParaRPr lang="fr-FR"/>
           </a:p>
@@ -410,7 +410,7 @@
           <a:p>
             <a:fld id="{554F79A8-EDED-4348-8A8C-AFD32DCCE4C9}" type="datetimeFigureOut">
               <a:rPr lang="fr-FR" smtClean="0"/>
-              <a:t>02/04/2017</a:t>
+              <a:t>03/04/2017</a:t>
             </a:fld>
             <a:endParaRPr lang="fr-FR"/>
           </a:p>
@@ -588,7 +588,7 @@
           <a:p>
             <a:fld id="{554F79A8-EDED-4348-8A8C-AFD32DCCE4C9}" type="datetimeFigureOut">
               <a:rPr lang="fr-FR" smtClean="0"/>
-              <a:t>02/04/2017</a:t>
+              <a:t>03/04/2017</a:t>
             </a:fld>
             <a:endParaRPr lang="fr-FR"/>
           </a:p>
@@ -756,7 +756,7 @@
           <a:p>
             <a:fld id="{554F79A8-EDED-4348-8A8C-AFD32DCCE4C9}" type="datetimeFigureOut">
               <a:rPr lang="fr-FR" smtClean="0"/>
-              <a:t>02/04/2017</a:t>
+              <a:t>03/04/2017</a:t>
             </a:fld>
             <a:endParaRPr lang="fr-FR"/>
           </a:p>
@@ -1001,7 +1001,7 @@
           <a:p>
             <a:fld id="{554F79A8-EDED-4348-8A8C-AFD32DCCE4C9}" type="datetimeFigureOut">
               <a:rPr lang="fr-FR" smtClean="0"/>
-              <a:t>02/04/2017</a:t>
+              <a:t>03/04/2017</a:t>
             </a:fld>
             <a:endParaRPr lang="fr-FR"/>
           </a:p>
@@ -1230,7 +1230,7 @@
           <a:p>
             <a:fld id="{554F79A8-EDED-4348-8A8C-AFD32DCCE4C9}" type="datetimeFigureOut">
               <a:rPr lang="fr-FR" smtClean="0"/>
-              <a:t>02/04/2017</a:t>
+              <a:t>03/04/2017</a:t>
             </a:fld>
             <a:endParaRPr lang="fr-FR"/>
           </a:p>
@@ -1594,7 +1594,7 @@
           <a:p>
             <a:fld id="{554F79A8-EDED-4348-8A8C-AFD32DCCE4C9}" type="datetimeFigureOut">
               <a:rPr lang="fr-FR" smtClean="0"/>
-              <a:t>02/04/2017</a:t>
+              <a:t>03/04/2017</a:t>
             </a:fld>
             <a:endParaRPr lang="fr-FR"/>
           </a:p>
@@ -1711,7 +1711,7 @@
           <a:p>
             <a:fld id="{554F79A8-EDED-4348-8A8C-AFD32DCCE4C9}" type="datetimeFigureOut">
               <a:rPr lang="fr-FR" smtClean="0"/>
-              <a:t>02/04/2017</a:t>
+              <a:t>03/04/2017</a:t>
             </a:fld>
             <a:endParaRPr lang="fr-FR"/>
           </a:p>
@@ -1806,7 +1806,7 @@
           <a:p>
             <a:fld id="{554F79A8-EDED-4348-8A8C-AFD32DCCE4C9}" type="datetimeFigureOut">
               <a:rPr lang="fr-FR" smtClean="0"/>
-              <a:t>02/04/2017</a:t>
+              <a:t>03/04/2017</a:t>
             </a:fld>
             <a:endParaRPr lang="fr-FR"/>
           </a:p>
@@ -2081,7 +2081,7 @@
           <a:p>
             <a:fld id="{554F79A8-EDED-4348-8A8C-AFD32DCCE4C9}" type="datetimeFigureOut">
               <a:rPr lang="fr-FR" smtClean="0"/>
-              <a:t>02/04/2017</a:t>
+              <a:t>03/04/2017</a:t>
             </a:fld>
             <a:endParaRPr lang="fr-FR"/>
           </a:p>
@@ -2333,7 +2333,7 @@
           <a:p>
             <a:fld id="{554F79A8-EDED-4348-8A8C-AFD32DCCE4C9}" type="datetimeFigureOut">
               <a:rPr lang="fr-FR" smtClean="0"/>
-              <a:t>02/04/2017</a:t>
+              <a:t>03/04/2017</a:t>
             </a:fld>
             <a:endParaRPr lang="fr-FR"/>
           </a:p>
@@ -2544,7 +2544,7 @@
           <a:p>
             <a:fld id="{554F79A8-EDED-4348-8A8C-AFD32DCCE4C9}" type="datetimeFigureOut">
               <a:rPr lang="fr-FR" smtClean="0"/>
-              <a:t>02/04/2017</a:t>
+              <a:t>03/04/2017</a:t>
             </a:fld>
             <a:endParaRPr lang="fr-FR"/>
           </a:p>
@@ -3062,18 +3062,17 @@
           <a:p>
             <a:r>
               <a:rPr lang="fr-FR" dirty="0"/>
-              <a:t>Cela sera très </a:t>
-            </a:r>
-            <a:r>
-              <a:rPr lang="fr-FR"/>
-              <a:t>vite terminé.</a:t>
-            </a:r>
-            <a:endParaRPr lang="fr-FR" dirty="0"/>
-          </a:p>
-          <a:p>
+              <a:t>Cela sera très vite terminé.</a:t>
+            </a:r>
+          </a:p>
+          <a:p>
+            <a:r>
+              <a:rPr lang="fr-FR"/>
+              <a:t>Ceci est </a:t>
+            </a:r>
             <a:r>
               <a:rPr lang="fr-FR" dirty="0"/>
-              <a:t>C’est une petite présentation en exemple. </a:t>
+              <a:t>une petite présentation en exemple. </a:t>
             </a:r>
           </a:p>
           <a:p>
